--- a/Azure_Functions/Development and Deployment of Azure Functions using CLI and PowerShell.pptx
+++ b/Azure_Functions/Development and Deployment of Azure Functions using CLI and PowerShell.pptx
@@ -80,8 +80,8 @@
         </p:nvSpPr>
         <p:spPr>
           <a:xfrm>
-            <a:off x="720000" y="300960"/>
-            <a:ext cx="8855280" cy="1262160"/>
+            <a:off x="504000" y="301320"/>
+            <a:ext cx="9072000" cy="1261800"/>
           </a:xfrm>
           <a:prstGeom prst="rect">
             <a:avLst/>
@@ -111,8 +111,8 @@
         </p:nvSpPr>
         <p:spPr>
           <a:xfrm>
-            <a:off x="720000" y="2160000"/>
-            <a:ext cx="8639640" cy="2091240"/>
+            <a:off x="504000" y="1768680"/>
+            <a:ext cx="9072000" cy="2090880"/>
           </a:xfrm>
           <a:prstGeom prst="rect">
             <a:avLst/>
@@ -141,8 +141,8 @@
         </p:nvSpPr>
         <p:spPr>
           <a:xfrm>
-            <a:off x="720000" y="4450320"/>
-            <a:ext cx="8639640" cy="2091240"/>
+            <a:off x="504000" y="4058640"/>
+            <a:ext cx="9072000" cy="2090880"/>
           </a:xfrm>
           <a:prstGeom prst="rect">
             <a:avLst/>
@@ -193,8 +193,8 @@
         </p:nvSpPr>
         <p:spPr>
           <a:xfrm>
-            <a:off x="720000" y="300960"/>
-            <a:ext cx="8855280" cy="1262160"/>
+            <a:off x="504000" y="301320"/>
+            <a:ext cx="9072000" cy="1261800"/>
           </a:xfrm>
           <a:prstGeom prst="rect">
             <a:avLst/>
@@ -224,8 +224,8 @@
         </p:nvSpPr>
         <p:spPr>
           <a:xfrm>
-            <a:off x="720000" y="2160000"/>
-            <a:ext cx="4215960" cy="2091240"/>
+            <a:off x="504000" y="1768680"/>
+            <a:ext cx="4426920" cy="2090880"/>
           </a:xfrm>
           <a:prstGeom prst="rect">
             <a:avLst/>
@@ -254,8 +254,8 @@
         </p:nvSpPr>
         <p:spPr>
           <a:xfrm>
-            <a:off x="5147280" y="2160000"/>
-            <a:ext cx="4215960" cy="2091240"/>
+            <a:off x="5152680" y="1768680"/>
+            <a:ext cx="4426920" cy="2090880"/>
           </a:xfrm>
           <a:prstGeom prst="rect">
             <a:avLst/>
@@ -284,8 +284,8 @@
         </p:nvSpPr>
         <p:spPr>
           <a:xfrm>
-            <a:off x="720000" y="4450320"/>
-            <a:ext cx="4215960" cy="2091240"/>
+            <a:off x="504000" y="4058640"/>
+            <a:ext cx="4426920" cy="2090880"/>
           </a:xfrm>
           <a:prstGeom prst="rect">
             <a:avLst/>
@@ -314,8 +314,8 @@
         </p:nvSpPr>
         <p:spPr>
           <a:xfrm>
-            <a:off x="5147280" y="4450320"/>
-            <a:ext cx="4215960" cy="2091240"/>
+            <a:off x="5152680" y="4058640"/>
+            <a:ext cx="4426920" cy="2090880"/>
           </a:xfrm>
           <a:prstGeom prst="rect">
             <a:avLst/>
@@ -366,8 +366,8 @@
         </p:nvSpPr>
         <p:spPr>
           <a:xfrm>
-            <a:off x="720000" y="300960"/>
-            <a:ext cx="8855280" cy="1262160"/>
+            <a:off x="504000" y="301320"/>
+            <a:ext cx="9072000" cy="1261800"/>
           </a:xfrm>
           <a:prstGeom prst="rect">
             <a:avLst/>
@@ -397,8 +397,8 @@
         </p:nvSpPr>
         <p:spPr>
           <a:xfrm>
-            <a:off x="720000" y="2160000"/>
-            <a:ext cx="2781720" cy="2091240"/>
+            <a:off x="504000" y="1768680"/>
+            <a:ext cx="2921040" cy="2090880"/>
           </a:xfrm>
           <a:prstGeom prst="rect">
             <a:avLst/>
@@ -427,8 +427,8 @@
         </p:nvSpPr>
         <p:spPr>
           <a:xfrm>
-            <a:off x="3641040" y="2160000"/>
-            <a:ext cx="2781720" cy="2091240"/>
+            <a:off x="3571560" y="1768680"/>
+            <a:ext cx="2921040" cy="2090880"/>
           </a:xfrm>
           <a:prstGeom prst="rect">
             <a:avLst/>
@@ -457,8 +457,8 @@
         </p:nvSpPr>
         <p:spPr>
           <a:xfrm>
-            <a:off x="6562440" y="2160000"/>
-            <a:ext cx="2781720" cy="2091240"/>
+            <a:off x="6639120" y="1768680"/>
+            <a:ext cx="2921040" cy="2090880"/>
           </a:xfrm>
           <a:prstGeom prst="rect">
             <a:avLst/>
@@ -487,8 +487,8 @@
         </p:nvSpPr>
         <p:spPr>
           <a:xfrm>
-            <a:off x="720000" y="4450320"/>
-            <a:ext cx="2781720" cy="2091240"/>
+            <a:off x="504000" y="4058640"/>
+            <a:ext cx="2921040" cy="2090880"/>
           </a:xfrm>
           <a:prstGeom prst="rect">
             <a:avLst/>
@@ -517,8 +517,8 @@
         </p:nvSpPr>
         <p:spPr>
           <a:xfrm>
-            <a:off x="3641040" y="4450320"/>
-            <a:ext cx="2781720" cy="2091240"/>
+            <a:off x="3571560" y="4058640"/>
+            <a:ext cx="2921040" cy="2090880"/>
           </a:xfrm>
           <a:prstGeom prst="rect">
             <a:avLst/>
@@ -547,8 +547,8 @@
         </p:nvSpPr>
         <p:spPr>
           <a:xfrm>
-            <a:off x="6562440" y="4450320"/>
-            <a:ext cx="2781720" cy="2091240"/>
+            <a:off x="6639120" y="4058640"/>
+            <a:ext cx="2921040" cy="2090880"/>
           </a:xfrm>
           <a:prstGeom prst="rect">
             <a:avLst/>
@@ -621,8 +621,8 @@
         </p:nvSpPr>
         <p:spPr>
           <a:xfrm>
-            <a:off x="720000" y="300960"/>
-            <a:ext cx="8855280" cy="1262160"/>
+            <a:off x="504000" y="301320"/>
+            <a:ext cx="9072000" cy="1261800"/>
           </a:xfrm>
           <a:prstGeom prst="rect">
             <a:avLst/>
@@ -652,8 +652,8 @@
         </p:nvSpPr>
         <p:spPr>
           <a:xfrm>
-            <a:off x="720000" y="2160000"/>
-            <a:ext cx="8639640" cy="4384440"/>
+            <a:off x="504000" y="1768680"/>
+            <a:ext cx="9072000" cy="4384080"/>
           </a:xfrm>
           <a:prstGeom prst="rect">
             <a:avLst/>
@@ -705,8 +705,8 @@
         </p:nvSpPr>
         <p:spPr>
           <a:xfrm>
-            <a:off x="720000" y="300960"/>
-            <a:ext cx="8855280" cy="1262160"/>
+            <a:off x="504000" y="301320"/>
+            <a:ext cx="9072000" cy="1261800"/>
           </a:xfrm>
           <a:prstGeom prst="rect">
             <a:avLst/>
@@ -736,8 +736,8 @@
         </p:nvSpPr>
         <p:spPr>
           <a:xfrm>
-            <a:off x="720000" y="2160000"/>
-            <a:ext cx="8639640" cy="4384440"/>
+            <a:off x="504000" y="1768680"/>
+            <a:ext cx="9072000" cy="4384080"/>
           </a:xfrm>
           <a:prstGeom prst="rect">
             <a:avLst/>
@@ -788,8 +788,8 @@
         </p:nvSpPr>
         <p:spPr>
           <a:xfrm>
-            <a:off x="720000" y="300960"/>
-            <a:ext cx="8855280" cy="1262160"/>
+            <a:off x="504000" y="301320"/>
+            <a:ext cx="9072000" cy="1261800"/>
           </a:xfrm>
           <a:prstGeom prst="rect">
             <a:avLst/>
@@ -819,8 +819,8 @@
         </p:nvSpPr>
         <p:spPr>
           <a:xfrm>
-            <a:off x="720000" y="2160000"/>
-            <a:ext cx="4215960" cy="4384440"/>
+            <a:off x="504000" y="1768680"/>
+            <a:ext cx="4426920" cy="4384080"/>
           </a:xfrm>
           <a:prstGeom prst="rect">
             <a:avLst/>
@@ -849,8 +849,8 @@
         </p:nvSpPr>
         <p:spPr>
           <a:xfrm>
-            <a:off x="5147280" y="2160000"/>
-            <a:ext cx="4215960" cy="4384440"/>
+            <a:off x="5152680" y="1768680"/>
+            <a:ext cx="4426920" cy="4384080"/>
           </a:xfrm>
           <a:prstGeom prst="rect">
             <a:avLst/>
@@ -901,8 +901,8 @@
         </p:nvSpPr>
         <p:spPr>
           <a:xfrm>
-            <a:off x="720000" y="300960"/>
-            <a:ext cx="8855280" cy="1262160"/>
+            <a:off x="504000" y="301320"/>
+            <a:ext cx="9072000" cy="1261800"/>
           </a:xfrm>
           <a:prstGeom prst="rect">
             <a:avLst/>
@@ -954,8 +954,8 @@
         </p:nvSpPr>
         <p:spPr>
           <a:xfrm>
-            <a:off x="720000" y="300960"/>
-            <a:ext cx="8855280" cy="5851800"/>
+            <a:off x="504000" y="301320"/>
+            <a:ext cx="9072000" cy="5850360"/>
           </a:xfrm>
           <a:prstGeom prst="rect">
             <a:avLst/>
@@ -1007,8 +1007,8 @@
         </p:nvSpPr>
         <p:spPr>
           <a:xfrm>
-            <a:off x="720000" y="300960"/>
-            <a:ext cx="8855280" cy="1262160"/>
+            <a:off x="504000" y="301320"/>
+            <a:ext cx="9072000" cy="1261800"/>
           </a:xfrm>
           <a:prstGeom prst="rect">
             <a:avLst/>
@@ -1038,8 +1038,8 @@
         </p:nvSpPr>
         <p:spPr>
           <a:xfrm>
-            <a:off x="720000" y="2160000"/>
-            <a:ext cx="4215960" cy="2091240"/>
+            <a:off x="504000" y="1768680"/>
+            <a:ext cx="4426920" cy="2090880"/>
           </a:xfrm>
           <a:prstGeom prst="rect">
             <a:avLst/>
@@ -1068,8 +1068,8 @@
         </p:nvSpPr>
         <p:spPr>
           <a:xfrm>
-            <a:off x="5147280" y="2160000"/>
-            <a:ext cx="4215960" cy="4384440"/>
+            <a:off x="5152680" y="1768680"/>
+            <a:ext cx="4426920" cy="4384080"/>
           </a:xfrm>
           <a:prstGeom prst="rect">
             <a:avLst/>
@@ -1098,8 +1098,8 @@
         </p:nvSpPr>
         <p:spPr>
           <a:xfrm>
-            <a:off x="720000" y="4450320"/>
-            <a:ext cx="4215960" cy="2091240"/>
+            <a:off x="504000" y="4058640"/>
+            <a:ext cx="4426920" cy="2090880"/>
           </a:xfrm>
           <a:prstGeom prst="rect">
             <a:avLst/>
@@ -1150,8 +1150,8 @@
         </p:nvSpPr>
         <p:spPr>
           <a:xfrm>
-            <a:off x="720000" y="300960"/>
-            <a:ext cx="8855280" cy="1262160"/>
+            <a:off x="504000" y="301320"/>
+            <a:ext cx="9072000" cy="1261800"/>
           </a:xfrm>
           <a:prstGeom prst="rect">
             <a:avLst/>
@@ -1181,8 +1181,8 @@
         </p:nvSpPr>
         <p:spPr>
           <a:xfrm>
-            <a:off x="720000" y="2160000"/>
-            <a:ext cx="8639640" cy="4384440"/>
+            <a:off x="504000" y="1768680"/>
+            <a:ext cx="9072000" cy="4384080"/>
           </a:xfrm>
           <a:prstGeom prst="rect">
             <a:avLst/>
@@ -1234,8 +1234,8 @@
         </p:nvSpPr>
         <p:spPr>
           <a:xfrm>
-            <a:off x="720000" y="300960"/>
-            <a:ext cx="8855280" cy="1262160"/>
+            <a:off x="504000" y="301320"/>
+            <a:ext cx="9072000" cy="1261800"/>
           </a:xfrm>
           <a:prstGeom prst="rect">
             <a:avLst/>
@@ -1265,8 +1265,8 @@
         </p:nvSpPr>
         <p:spPr>
           <a:xfrm>
-            <a:off x="720000" y="2160000"/>
-            <a:ext cx="4215960" cy="4384440"/>
+            <a:off x="504000" y="1768680"/>
+            <a:ext cx="4426920" cy="4384080"/>
           </a:xfrm>
           <a:prstGeom prst="rect">
             <a:avLst/>
@@ -1295,8 +1295,8 @@
         </p:nvSpPr>
         <p:spPr>
           <a:xfrm>
-            <a:off x="5147280" y="2160000"/>
-            <a:ext cx="4215960" cy="2091240"/>
+            <a:off x="5152680" y="1768680"/>
+            <a:ext cx="4426920" cy="2090880"/>
           </a:xfrm>
           <a:prstGeom prst="rect">
             <a:avLst/>
@@ -1325,8 +1325,8 @@
         </p:nvSpPr>
         <p:spPr>
           <a:xfrm>
-            <a:off x="5147280" y="4450320"/>
-            <a:ext cx="4215960" cy="2091240"/>
+            <a:off x="5152680" y="4058640"/>
+            <a:ext cx="4426920" cy="2090880"/>
           </a:xfrm>
           <a:prstGeom prst="rect">
             <a:avLst/>
@@ -1377,8 +1377,8 @@
         </p:nvSpPr>
         <p:spPr>
           <a:xfrm>
-            <a:off x="720000" y="300960"/>
-            <a:ext cx="8855280" cy="1262160"/>
+            <a:off x="504000" y="301320"/>
+            <a:ext cx="9072000" cy="1261800"/>
           </a:xfrm>
           <a:prstGeom prst="rect">
             <a:avLst/>
@@ -1408,8 +1408,8 @@
         </p:nvSpPr>
         <p:spPr>
           <a:xfrm>
-            <a:off x="720000" y="2160000"/>
-            <a:ext cx="4215960" cy="2091240"/>
+            <a:off x="504000" y="1768680"/>
+            <a:ext cx="4426920" cy="2090880"/>
           </a:xfrm>
           <a:prstGeom prst="rect">
             <a:avLst/>
@@ -1438,8 +1438,8 @@
         </p:nvSpPr>
         <p:spPr>
           <a:xfrm>
-            <a:off x="5147280" y="2160000"/>
-            <a:ext cx="4215960" cy="2091240"/>
+            <a:off x="5152680" y="1768680"/>
+            <a:ext cx="4426920" cy="2090880"/>
           </a:xfrm>
           <a:prstGeom prst="rect">
             <a:avLst/>
@@ -1468,8 +1468,8 @@
         </p:nvSpPr>
         <p:spPr>
           <a:xfrm>
-            <a:off x="720000" y="4450320"/>
-            <a:ext cx="8639640" cy="2091240"/>
+            <a:off x="504000" y="4058640"/>
+            <a:ext cx="9072000" cy="2090880"/>
           </a:xfrm>
           <a:prstGeom prst="rect">
             <a:avLst/>
@@ -1520,8 +1520,8 @@
         </p:nvSpPr>
         <p:spPr>
           <a:xfrm>
-            <a:off x="720000" y="300960"/>
-            <a:ext cx="8855280" cy="1262160"/>
+            <a:off x="504000" y="301320"/>
+            <a:ext cx="9072000" cy="1261800"/>
           </a:xfrm>
           <a:prstGeom prst="rect">
             <a:avLst/>
@@ -1551,8 +1551,8 @@
         </p:nvSpPr>
         <p:spPr>
           <a:xfrm>
-            <a:off x="720000" y="2160000"/>
-            <a:ext cx="8639640" cy="2091240"/>
+            <a:off x="504000" y="1768680"/>
+            <a:ext cx="9072000" cy="2090880"/>
           </a:xfrm>
           <a:prstGeom prst="rect">
             <a:avLst/>
@@ -1581,8 +1581,8 @@
         </p:nvSpPr>
         <p:spPr>
           <a:xfrm>
-            <a:off x="720000" y="4450320"/>
-            <a:ext cx="8639640" cy="2091240"/>
+            <a:off x="504000" y="4058640"/>
+            <a:ext cx="9072000" cy="2090880"/>
           </a:xfrm>
           <a:prstGeom prst="rect">
             <a:avLst/>
@@ -1633,8 +1633,8 @@
         </p:nvSpPr>
         <p:spPr>
           <a:xfrm>
-            <a:off x="720000" y="300960"/>
-            <a:ext cx="8855280" cy="1262160"/>
+            <a:off x="504000" y="301320"/>
+            <a:ext cx="9072000" cy="1261800"/>
           </a:xfrm>
           <a:prstGeom prst="rect">
             <a:avLst/>
@@ -1664,8 +1664,8 @@
         </p:nvSpPr>
         <p:spPr>
           <a:xfrm>
-            <a:off x="720000" y="2160000"/>
-            <a:ext cx="4215960" cy="2091240"/>
+            <a:off x="504000" y="1768680"/>
+            <a:ext cx="4426920" cy="2090880"/>
           </a:xfrm>
           <a:prstGeom prst="rect">
             <a:avLst/>
@@ -1694,8 +1694,8 @@
         </p:nvSpPr>
         <p:spPr>
           <a:xfrm>
-            <a:off x="5147280" y="2160000"/>
-            <a:ext cx="4215960" cy="2091240"/>
+            <a:off x="5152680" y="1768680"/>
+            <a:ext cx="4426920" cy="2090880"/>
           </a:xfrm>
           <a:prstGeom prst="rect">
             <a:avLst/>
@@ -1724,8 +1724,8 @@
         </p:nvSpPr>
         <p:spPr>
           <a:xfrm>
-            <a:off x="720000" y="4450320"/>
-            <a:ext cx="4215960" cy="2091240"/>
+            <a:off x="504000" y="4058640"/>
+            <a:ext cx="4426920" cy="2090880"/>
           </a:xfrm>
           <a:prstGeom prst="rect">
             <a:avLst/>
@@ -1754,8 +1754,8 @@
         </p:nvSpPr>
         <p:spPr>
           <a:xfrm>
-            <a:off x="5147280" y="4450320"/>
-            <a:ext cx="4215960" cy="2091240"/>
+            <a:off x="5152680" y="4058640"/>
+            <a:ext cx="4426920" cy="2090880"/>
           </a:xfrm>
           <a:prstGeom prst="rect">
             <a:avLst/>
@@ -1806,8 +1806,8 @@
         </p:nvSpPr>
         <p:spPr>
           <a:xfrm>
-            <a:off x="720000" y="300960"/>
-            <a:ext cx="8855280" cy="1262160"/>
+            <a:off x="504000" y="301320"/>
+            <a:ext cx="9072000" cy="1261800"/>
           </a:xfrm>
           <a:prstGeom prst="rect">
             <a:avLst/>
@@ -1837,8 +1837,8 @@
         </p:nvSpPr>
         <p:spPr>
           <a:xfrm>
-            <a:off x="720000" y="2160000"/>
-            <a:ext cx="2781720" cy="2091240"/>
+            <a:off x="504000" y="1768680"/>
+            <a:ext cx="2921040" cy="2090880"/>
           </a:xfrm>
           <a:prstGeom prst="rect">
             <a:avLst/>
@@ -1867,8 +1867,8 @@
         </p:nvSpPr>
         <p:spPr>
           <a:xfrm>
-            <a:off x="3641040" y="2160000"/>
-            <a:ext cx="2781720" cy="2091240"/>
+            <a:off x="3571560" y="1768680"/>
+            <a:ext cx="2921040" cy="2090880"/>
           </a:xfrm>
           <a:prstGeom prst="rect">
             <a:avLst/>
@@ -1897,8 +1897,8 @@
         </p:nvSpPr>
         <p:spPr>
           <a:xfrm>
-            <a:off x="6562440" y="2160000"/>
-            <a:ext cx="2781720" cy="2091240"/>
+            <a:off x="6639120" y="1768680"/>
+            <a:ext cx="2921040" cy="2090880"/>
           </a:xfrm>
           <a:prstGeom prst="rect">
             <a:avLst/>
@@ -1927,8 +1927,8 @@
         </p:nvSpPr>
         <p:spPr>
           <a:xfrm>
-            <a:off x="720000" y="4450320"/>
-            <a:ext cx="2781720" cy="2091240"/>
+            <a:off x="504000" y="4058640"/>
+            <a:ext cx="2921040" cy="2090880"/>
           </a:xfrm>
           <a:prstGeom prst="rect">
             <a:avLst/>
@@ -1957,8 +1957,8 @@
         </p:nvSpPr>
         <p:spPr>
           <a:xfrm>
-            <a:off x="3641040" y="4450320"/>
-            <a:ext cx="2781720" cy="2091240"/>
+            <a:off x="3571560" y="4058640"/>
+            <a:ext cx="2921040" cy="2090880"/>
           </a:xfrm>
           <a:prstGeom prst="rect">
             <a:avLst/>
@@ -1987,8 +1987,8 @@
         </p:nvSpPr>
         <p:spPr>
           <a:xfrm>
-            <a:off x="6562440" y="4450320"/>
-            <a:ext cx="2781720" cy="2091240"/>
+            <a:off x="6639120" y="4058640"/>
+            <a:ext cx="2921040" cy="2090880"/>
           </a:xfrm>
           <a:prstGeom prst="rect">
             <a:avLst/>
@@ -2039,8 +2039,8 @@
         </p:nvSpPr>
         <p:spPr>
           <a:xfrm>
-            <a:off x="720000" y="300960"/>
-            <a:ext cx="8855280" cy="1262160"/>
+            <a:off x="504000" y="301320"/>
+            <a:ext cx="9072000" cy="1261800"/>
           </a:xfrm>
           <a:prstGeom prst="rect">
             <a:avLst/>
@@ -2070,8 +2070,8 @@
         </p:nvSpPr>
         <p:spPr>
           <a:xfrm>
-            <a:off x="720000" y="2160000"/>
-            <a:ext cx="8639640" cy="4384440"/>
+            <a:off x="504000" y="1768680"/>
+            <a:ext cx="9072000" cy="4384080"/>
           </a:xfrm>
           <a:prstGeom prst="rect">
             <a:avLst/>
@@ -2122,8 +2122,8 @@
         </p:nvSpPr>
         <p:spPr>
           <a:xfrm>
-            <a:off x="720000" y="300960"/>
-            <a:ext cx="8855280" cy="1262160"/>
+            <a:off x="504000" y="301320"/>
+            <a:ext cx="9072000" cy="1261800"/>
           </a:xfrm>
           <a:prstGeom prst="rect">
             <a:avLst/>
@@ -2153,8 +2153,8 @@
         </p:nvSpPr>
         <p:spPr>
           <a:xfrm>
-            <a:off x="720000" y="2160000"/>
-            <a:ext cx="4215960" cy="4384440"/>
+            <a:off x="504000" y="1768680"/>
+            <a:ext cx="4426920" cy="4384080"/>
           </a:xfrm>
           <a:prstGeom prst="rect">
             <a:avLst/>
@@ -2183,8 +2183,8 @@
         </p:nvSpPr>
         <p:spPr>
           <a:xfrm>
-            <a:off x="5147280" y="2160000"/>
-            <a:ext cx="4215960" cy="4384440"/>
+            <a:off x="5152680" y="1768680"/>
+            <a:ext cx="4426920" cy="4384080"/>
           </a:xfrm>
           <a:prstGeom prst="rect">
             <a:avLst/>
@@ -2235,8 +2235,8 @@
         </p:nvSpPr>
         <p:spPr>
           <a:xfrm>
-            <a:off x="720000" y="300960"/>
-            <a:ext cx="8855280" cy="1262160"/>
+            <a:off x="504000" y="301320"/>
+            <a:ext cx="9072000" cy="1261800"/>
           </a:xfrm>
           <a:prstGeom prst="rect">
             <a:avLst/>
@@ -2288,8 +2288,8 @@
         </p:nvSpPr>
         <p:spPr>
           <a:xfrm>
-            <a:off x="720000" y="300960"/>
-            <a:ext cx="8855280" cy="5851800"/>
+            <a:off x="504000" y="301320"/>
+            <a:ext cx="9072000" cy="5850360"/>
           </a:xfrm>
           <a:prstGeom prst="rect">
             <a:avLst/>
@@ -2341,8 +2341,8 @@
         </p:nvSpPr>
         <p:spPr>
           <a:xfrm>
-            <a:off x="720000" y="300960"/>
-            <a:ext cx="8855280" cy="1262160"/>
+            <a:off x="504000" y="301320"/>
+            <a:ext cx="9072000" cy="1261800"/>
           </a:xfrm>
           <a:prstGeom prst="rect">
             <a:avLst/>
@@ -2372,8 +2372,8 @@
         </p:nvSpPr>
         <p:spPr>
           <a:xfrm>
-            <a:off x="720000" y="2160000"/>
-            <a:ext cx="4215960" cy="2091240"/>
+            <a:off x="504000" y="1768680"/>
+            <a:ext cx="4426920" cy="2090880"/>
           </a:xfrm>
           <a:prstGeom prst="rect">
             <a:avLst/>
@@ -2402,8 +2402,8 @@
         </p:nvSpPr>
         <p:spPr>
           <a:xfrm>
-            <a:off x="5147280" y="2160000"/>
-            <a:ext cx="4215960" cy="4384440"/>
+            <a:off x="5152680" y="1768680"/>
+            <a:ext cx="4426920" cy="4384080"/>
           </a:xfrm>
           <a:prstGeom prst="rect">
             <a:avLst/>
@@ -2432,8 +2432,8 @@
         </p:nvSpPr>
         <p:spPr>
           <a:xfrm>
-            <a:off x="720000" y="4450320"/>
-            <a:ext cx="4215960" cy="2091240"/>
+            <a:off x="504000" y="4058640"/>
+            <a:ext cx="4426920" cy="2090880"/>
           </a:xfrm>
           <a:prstGeom prst="rect">
             <a:avLst/>
@@ -2484,8 +2484,8 @@
         </p:nvSpPr>
         <p:spPr>
           <a:xfrm>
-            <a:off x="720000" y="300960"/>
-            <a:ext cx="8855280" cy="1262160"/>
+            <a:off x="504000" y="301320"/>
+            <a:ext cx="9072000" cy="1261800"/>
           </a:xfrm>
           <a:prstGeom prst="rect">
             <a:avLst/>
@@ -2515,8 +2515,8 @@
         </p:nvSpPr>
         <p:spPr>
           <a:xfrm>
-            <a:off x="720000" y="2160000"/>
-            <a:ext cx="4215960" cy="4384440"/>
+            <a:off x="504000" y="1768680"/>
+            <a:ext cx="4426920" cy="4384080"/>
           </a:xfrm>
           <a:prstGeom prst="rect">
             <a:avLst/>
@@ -2545,8 +2545,8 @@
         </p:nvSpPr>
         <p:spPr>
           <a:xfrm>
-            <a:off x="5147280" y="2160000"/>
-            <a:ext cx="4215960" cy="2091240"/>
+            <a:off x="5152680" y="1768680"/>
+            <a:ext cx="4426920" cy="2090880"/>
           </a:xfrm>
           <a:prstGeom prst="rect">
             <a:avLst/>
@@ -2575,8 +2575,8 @@
         </p:nvSpPr>
         <p:spPr>
           <a:xfrm>
-            <a:off x="5147280" y="4450320"/>
-            <a:ext cx="4215960" cy="2091240"/>
+            <a:off x="5152680" y="4058640"/>
+            <a:ext cx="4426920" cy="2090880"/>
           </a:xfrm>
           <a:prstGeom prst="rect">
             <a:avLst/>
@@ -2627,8 +2627,8 @@
         </p:nvSpPr>
         <p:spPr>
           <a:xfrm>
-            <a:off x="720000" y="300960"/>
-            <a:ext cx="8855280" cy="1262160"/>
+            <a:off x="504000" y="301320"/>
+            <a:ext cx="9072000" cy="1261800"/>
           </a:xfrm>
           <a:prstGeom prst="rect">
             <a:avLst/>
@@ -2658,8 +2658,8 @@
         </p:nvSpPr>
         <p:spPr>
           <a:xfrm>
-            <a:off x="720000" y="2160000"/>
-            <a:ext cx="4215960" cy="2091240"/>
+            <a:off x="504000" y="1768680"/>
+            <a:ext cx="4426920" cy="2090880"/>
           </a:xfrm>
           <a:prstGeom prst="rect">
             <a:avLst/>
@@ -2688,8 +2688,8 @@
         </p:nvSpPr>
         <p:spPr>
           <a:xfrm>
-            <a:off x="5147280" y="2160000"/>
-            <a:ext cx="4215960" cy="2091240"/>
+            <a:off x="5152680" y="1768680"/>
+            <a:ext cx="4426920" cy="2090880"/>
           </a:xfrm>
           <a:prstGeom prst="rect">
             <a:avLst/>
@@ -2718,8 +2718,8 @@
         </p:nvSpPr>
         <p:spPr>
           <a:xfrm>
-            <a:off x="720000" y="4450320"/>
-            <a:ext cx="8639640" cy="2091240"/>
+            <a:off x="504000" y="4058640"/>
+            <a:ext cx="9072000" cy="2090880"/>
           </a:xfrm>
           <a:prstGeom prst="rect">
             <a:avLst/>
@@ -2767,7 +2767,7 @@
         <p:spPr>
           <a:xfrm>
             <a:off x="0" y="4320000"/>
-            <a:ext cx="503640" cy="1079640"/>
+            <a:ext cx="503280" cy="1079280"/>
           </a:xfrm>
           <a:prstGeom prst="rect">
             <a:avLst/>
@@ -2799,7 +2799,7 @@
         <p:spPr>
           <a:xfrm>
             <a:off x="720000" y="300960"/>
-            <a:ext cx="8855280" cy="1262160"/>
+            <a:ext cx="8854920" cy="1262160"/>
           </a:xfrm>
           <a:prstGeom prst="rect">
             <a:avLst/>
@@ -2834,8 +2834,8 @@
         </p:nvSpPr>
         <p:spPr>
           <a:xfrm>
-            <a:off x="504000" y="1768680"/>
-            <a:ext cx="9072000" cy="4384080"/>
+            <a:off x="720000" y="2160000"/>
+            <a:ext cx="8639280" cy="4384080"/>
           </a:xfrm>
           <a:prstGeom prst="rect">
             <a:avLst/>
@@ -2858,12 +2858,12 @@
               <a:buChar char=""/>
             </a:pPr>
             <a:r>
-              <a:rPr b="0" lang="en-US" sz="3200" spc="-1" strike="noStrike">
+              <a:rPr b="0" lang="en-US" sz="1800" spc="-1" strike="noStrike">
                 <a:latin typeface="Arial"/>
               </a:rPr>
               <a:t>Click to edit the outline text format</a:t>
             </a:r>
-            <a:endParaRPr b="0" lang="en-US" sz="3200" spc="-1" strike="noStrike">
+            <a:endParaRPr b="0" lang="en-US" sz="1800" spc="-1" strike="noStrike">
               <a:latin typeface="Arial"/>
             </a:endParaRPr>
           </a:p>
@@ -2880,12 +2880,12 @@
               <a:buChar char=""/>
             </a:pPr>
             <a:r>
-              <a:rPr b="0" lang="en-US" sz="2800" spc="-1" strike="noStrike">
+              <a:rPr b="0" lang="en-US" sz="1800" spc="-1" strike="noStrike">
                 <a:latin typeface="Arial"/>
               </a:rPr>
               <a:t>Second Outline Level</a:t>
             </a:r>
-            <a:endParaRPr b="0" lang="en-US" sz="2800" spc="-1" strike="noStrike">
+            <a:endParaRPr b="0" lang="en-US" sz="1800" spc="-1" strike="noStrike">
               <a:latin typeface="Arial"/>
             </a:endParaRPr>
           </a:p>
@@ -2902,12 +2902,12 @@
               <a:buChar char=""/>
             </a:pPr>
             <a:r>
-              <a:rPr b="0" lang="en-US" sz="2400" spc="-1" strike="noStrike">
+              <a:rPr b="0" lang="en-US" sz="1800" spc="-1" strike="noStrike">
                 <a:latin typeface="Arial"/>
               </a:rPr>
               <a:t>Third Outline Level</a:t>
             </a:r>
-            <a:endParaRPr b="0" lang="en-US" sz="2400" spc="-1" strike="noStrike">
+            <a:endParaRPr b="0" lang="en-US" sz="1800" spc="-1" strike="noStrike">
               <a:latin typeface="Arial"/>
             </a:endParaRPr>
           </a:p>
@@ -2924,12 +2924,12 @@
               <a:buChar char=""/>
             </a:pPr>
             <a:r>
-              <a:rPr b="0" lang="en-US" sz="2000" spc="-1" strike="noStrike">
+              <a:rPr b="0" lang="en-US" sz="1800" spc="-1" strike="noStrike">
                 <a:latin typeface="Arial"/>
               </a:rPr>
               <a:t>Fourth Outline Level</a:t>
             </a:r>
-            <a:endParaRPr b="0" lang="en-US" sz="2000" spc="-1" strike="noStrike">
+            <a:endParaRPr b="0" lang="en-US" sz="1800" spc="-1" strike="noStrike">
               <a:latin typeface="Arial"/>
             </a:endParaRPr>
           </a:p>
@@ -2946,12 +2946,12 @@
               <a:buChar char=""/>
             </a:pPr>
             <a:r>
-              <a:rPr b="0" lang="en-US" sz="2000" spc="-1" strike="noStrike">
+              <a:rPr b="0" lang="en-US" sz="1800" spc="-1" strike="noStrike">
                 <a:latin typeface="Arial"/>
               </a:rPr>
               <a:t>Fifth Outline Level</a:t>
             </a:r>
-            <a:endParaRPr b="0" lang="en-US" sz="2000" spc="-1" strike="noStrike">
+            <a:endParaRPr b="0" lang="en-US" sz="1800" spc="-1" strike="noStrike">
               <a:latin typeface="Arial"/>
             </a:endParaRPr>
           </a:p>
@@ -2968,12 +2968,12 @@
               <a:buChar char=""/>
             </a:pPr>
             <a:r>
-              <a:rPr b="0" lang="en-US" sz="2000" spc="-1" strike="noStrike">
+              <a:rPr b="0" lang="en-US" sz="1800" spc="-1" strike="noStrike">
                 <a:latin typeface="Arial"/>
               </a:rPr>
               <a:t>Sixth Outline Level</a:t>
             </a:r>
-            <a:endParaRPr b="0" lang="en-US" sz="2000" spc="-1" strike="noStrike">
+            <a:endParaRPr b="0" lang="en-US" sz="1800" spc="-1" strike="noStrike">
               <a:latin typeface="Arial"/>
             </a:endParaRPr>
           </a:p>
@@ -2990,12 +2990,12 @@
               <a:buChar char=""/>
             </a:pPr>
             <a:r>
-              <a:rPr b="0" lang="en-US" sz="2000" spc="-1" strike="noStrike">
+              <a:rPr b="0" lang="en-US" sz="1800" spc="-1" strike="noStrike">
                 <a:latin typeface="Arial"/>
               </a:rPr>
               <a:t>Seventh Outline Level</a:t>
             </a:r>
-            <a:endParaRPr b="0" lang="en-US" sz="2000" spc="-1" strike="noStrike">
+            <a:endParaRPr b="0" lang="en-US" sz="1800" spc="-1" strike="noStrike">
               <a:latin typeface="Arial"/>
             </a:endParaRPr>
           </a:p>
@@ -3047,7 +3047,7 @@
         <p:spPr>
           <a:xfrm>
             <a:off x="0" y="288000"/>
-            <a:ext cx="503640" cy="1079640"/>
+            <a:ext cx="503280" cy="1079280"/>
           </a:xfrm>
           <a:prstGeom prst="rect">
             <a:avLst/>
@@ -3078,8 +3078,8 @@
         </p:nvSpPr>
         <p:spPr>
           <a:xfrm>
-            <a:off x="720000" y="300960"/>
-            <a:ext cx="8855280" cy="1262160"/>
+            <a:off x="504000" y="301320"/>
+            <a:ext cx="9072000" cy="1261800"/>
           </a:xfrm>
           <a:prstGeom prst="rect">
             <a:avLst/>
@@ -3087,16 +3087,17 @@
         </p:spPr>
         <p:txBody>
           <a:bodyPr lIns="0" rIns="0" tIns="0" bIns="0" anchor="ctr">
-            <a:spAutoFit/>
-          </a:bodyPr>
-          <a:p>
+            <a:noAutofit/>
+          </a:bodyPr>
+          <a:p>
+            <a:pPr algn="ctr"/>
             <a:r>
-              <a:rPr b="0" lang="en-US" sz="1800" spc="-1" strike="noStrike">
+              <a:rPr b="0" lang="en-US" sz="4400" spc="-1" strike="noStrike">
                 <a:latin typeface="Arial"/>
               </a:rPr>
               <a:t>Click to edit the title text format</a:t>
             </a:r>
-            <a:endParaRPr b="0" lang="en-US" sz="1800" spc="-1" strike="noStrike">
+            <a:endParaRPr b="0" lang="en-US" sz="4400" spc="-1" strike="noStrike">
               <a:latin typeface="Arial"/>
             </a:endParaRPr>
           </a:p>
@@ -3114,8 +3115,8 @@
         </p:nvSpPr>
         <p:spPr>
           <a:xfrm>
-            <a:off x="720000" y="2160000"/>
-            <a:ext cx="8639640" cy="4384440"/>
+            <a:off x="504000" y="1768680"/>
+            <a:ext cx="9072000" cy="4384080"/>
           </a:xfrm>
           <a:prstGeom prst="rect">
             <a:avLst/>
@@ -3123,7 +3124,7 @@
         </p:spPr>
         <p:txBody>
           <a:bodyPr lIns="0" rIns="0" tIns="0" bIns="0">
-            <a:noAutofit/>
+            <a:normAutofit/>
           </a:bodyPr>
           <a:p>
             <a:pPr marL="432000" indent="-324000">
@@ -3138,12 +3139,12 @@
               <a:buChar char=""/>
             </a:pPr>
             <a:r>
-              <a:rPr b="0" lang="en-US" sz="1800" spc="-1" strike="noStrike">
+              <a:rPr b="0" lang="en-US" sz="3200" spc="-1" strike="noStrike">
                 <a:latin typeface="Arial"/>
               </a:rPr>
               <a:t>Click to edit the outline text format</a:t>
             </a:r>
-            <a:endParaRPr b="0" lang="en-US" sz="1800" spc="-1" strike="noStrike">
+            <a:endParaRPr b="0" lang="en-US" sz="3200" spc="-1" strike="noStrike">
               <a:latin typeface="Arial"/>
             </a:endParaRPr>
           </a:p>
@@ -3160,12 +3161,12 @@
               <a:buChar char=""/>
             </a:pPr>
             <a:r>
-              <a:rPr b="0" lang="en-US" sz="1800" spc="-1" strike="noStrike">
+              <a:rPr b="0" lang="en-US" sz="2800" spc="-1" strike="noStrike">
                 <a:latin typeface="Arial"/>
               </a:rPr>
               <a:t>Second Outline Level</a:t>
             </a:r>
-            <a:endParaRPr b="0" lang="en-US" sz="1800" spc="-1" strike="noStrike">
+            <a:endParaRPr b="0" lang="en-US" sz="2800" spc="-1" strike="noStrike">
               <a:latin typeface="Arial"/>
             </a:endParaRPr>
           </a:p>
@@ -3182,12 +3183,12 @@
               <a:buChar char=""/>
             </a:pPr>
             <a:r>
-              <a:rPr b="0" lang="en-US" sz="1800" spc="-1" strike="noStrike">
+              <a:rPr b="0" lang="en-US" sz="2400" spc="-1" strike="noStrike">
                 <a:latin typeface="Arial"/>
               </a:rPr>
               <a:t>Third Outline Level</a:t>
             </a:r>
-            <a:endParaRPr b="0" lang="en-US" sz="1800" spc="-1" strike="noStrike">
+            <a:endParaRPr b="0" lang="en-US" sz="2400" spc="-1" strike="noStrike">
               <a:latin typeface="Arial"/>
             </a:endParaRPr>
           </a:p>
@@ -3204,12 +3205,12 @@
               <a:buChar char=""/>
             </a:pPr>
             <a:r>
-              <a:rPr b="0" lang="en-US" sz="1800" spc="-1" strike="noStrike">
+              <a:rPr b="0" lang="en-US" sz="2000" spc="-1" strike="noStrike">
                 <a:latin typeface="Arial"/>
               </a:rPr>
               <a:t>Fourth Outline Level</a:t>
             </a:r>
-            <a:endParaRPr b="0" lang="en-US" sz="1800" spc="-1" strike="noStrike">
+            <a:endParaRPr b="0" lang="en-US" sz="2000" spc="-1" strike="noStrike">
               <a:latin typeface="Arial"/>
             </a:endParaRPr>
           </a:p>
@@ -3226,12 +3227,12 @@
               <a:buChar char=""/>
             </a:pPr>
             <a:r>
-              <a:rPr b="0" lang="en-US" sz="1800" spc="-1" strike="noStrike">
+              <a:rPr b="0" lang="en-US" sz="2000" spc="-1" strike="noStrike">
                 <a:latin typeface="Arial"/>
               </a:rPr>
               <a:t>Fifth Outline Level</a:t>
             </a:r>
-            <a:endParaRPr b="0" lang="en-US" sz="1800" spc="-1" strike="noStrike">
+            <a:endParaRPr b="0" lang="en-US" sz="2000" spc="-1" strike="noStrike">
               <a:latin typeface="Arial"/>
             </a:endParaRPr>
           </a:p>
@@ -3248,12 +3249,12 @@
               <a:buChar char=""/>
             </a:pPr>
             <a:r>
-              <a:rPr b="0" lang="en-US" sz="1800" spc="-1" strike="noStrike">
+              <a:rPr b="0" lang="en-US" sz="2000" spc="-1" strike="noStrike">
                 <a:latin typeface="Arial"/>
               </a:rPr>
               <a:t>Sixth Outline Level</a:t>
             </a:r>
-            <a:endParaRPr b="0" lang="en-US" sz="1800" spc="-1" strike="noStrike">
+            <a:endParaRPr b="0" lang="en-US" sz="2000" spc="-1" strike="noStrike">
               <a:latin typeface="Arial"/>
             </a:endParaRPr>
           </a:p>
@@ -3270,12 +3271,12 @@
               <a:buChar char=""/>
             </a:pPr>
             <a:r>
-              <a:rPr b="0" lang="en-US" sz="1800" spc="-1" strike="noStrike">
+              <a:rPr b="0" lang="en-US" sz="2000" spc="-1" strike="noStrike">
                 <a:latin typeface="Arial"/>
               </a:rPr>
               <a:t>Seventh Outline Level</a:t>
             </a:r>
-            <a:endParaRPr b="0" lang="en-US" sz="1800" spc="-1" strike="noStrike">
+            <a:endParaRPr b="0" lang="en-US" sz="2000" spc="-1" strike="noStrike">
               <a:latin typeface="Arial"/>
             </a:endParaRPr>
           </a:p>
@@ -3327,7 +3328,7 @@
         <p:spPr>
           <a:xfrm>
             <a:off x="850680" y="792720"/>
-            <a:ext cx="8567640" cy="3322080"/>
+            <a:ext cx="8567280" cy="3321720"/>
           </a:xfrm>
           <a:prstGeom prst="rect">
             <a:avLst/>
@@ -3359,6 +3360,7 @@
                   <a:srgbClr val="333333"/>
                 </a:solidFill>
                 <a:latin typeface="Noto Sans Regular"/>
+                <a:ea typeface="DejaVu Sans"/>
               </a:rPr>
               <a:t>Development and Push Deployment of Azure Functions using CLI and PowerShell</a:t>
             </a:r>
@@ -3377,7 +3379,7 @@
         <p:spPr>
           <a:xfrm>
             <a:off x="792000" y="6257520"/>
-            <a:ext cx="8567640" cy="275040"/>
+            <a:ext cx="8567280" cy="274680"/>
           </a:xfrm>
           <a:prstGeom prst="rect">
             <a:avLst/>
@@ -3398,9 +3400,18 @@
             <a:spAutoFit/>
           </a:bodyPr>
           <a:p>
+            <a:pPr>
+              <a:lnSpc>
+                <a:spcPct val="100000"/>
+              </a:lnSpc>
+            </a:pPr>
             <a:r>
               <a:rPr b="0" lang="en-US" sz="1800" spc="-1" strike="noStrike">
+                <a:solidFill>
+                  <a:srgbClr val="000000"/>
+                </a:solidFill>
                 <a:latin typeface="Arial"/>
+                <a:ea typeface="DejaVu Sans"/>
               </a:rPr>
               <a:t>-Nikkitha Ramesh</a:t>
             </a:r>
@@ -3442,14 +3453,14 @@
       </p:grpSpPr>
       <p:sp>
         <p:nvSpPr>
-          <p:cNvPr id="104" name="CustomShape 1"/>
+          <p:cNvPr id="103" name="CustomShape 1"/>
           <p:cNvSpPr/>
           <p:nvPr/>
         </p:nvSpPr>
         <p:spPr>
           <a:xfrm>
             <a:off x="720000" y="300960"/>
-            <a:ext cx="8855280" cy="1262160"/>
+            <a:ext cx="8854920" cy="1261800"/>
           </a:xfrm>
           <a:prstGeom prst="rect">
             <a:avLst/>
@@ -3468,7 +3479,7 @@
       </p:sp>
       <p:pic>
         <p:nvPicPr>
-          <p:cNvPr id="105" name="" descr=""/>
+          <p:cNvPr id="104" name="" descr=""/>
           <p:cNvPicPr/>
           <p:nvPr/>
         </p:nvPicPr>
@@ -3479,7 +3490,7 @@
         <p:spPr>
           <a:xfrm>
             <a:off x="548640" y="187200"/>
-            <a:ext cx="9052200" cy="5982480"/>
+            <a:ext cx="9051840" cy="5982120"/>
           </a:xfrm>
           <a:prstGeom prst="rect">
             <a:avLst/>
@@ -3491,14 +3502,14 @@
       </p:pic>
       <p:sp>
         <p:nvSpPr>
-          <p:cNvPr id="106" name="CustomShape 2"/>
+          <p:cNvPr id="105" name="CustomShape 2"/>
           <p:cNvSpPr/>
           <p:nvPr/>
         </p:nvSpPr>
         <p:spPr>
           <a:xfrm>
             <a:off x="1877760" y="6400800"/>
-            <a:ext cx="5902920" cy="363960"/>
+            <a:ext cx="5902560" cy="363960"/>
           </a:xfrm>
           <a:prstGeom prst="rect">
             <a:avLst/>
@@ -3526,7 +3537,11 @@
             </a:pPr>
             <a:r>
               <a:rPr b="0" lang="en-US" sz="1800" spc="-1" strike="noStrike">
+                <a:solidFill>
+                  <a:srgbClr val="000000"/>
+                </a:solidFill>
                 <a:latin typeface="Arial"/>
+                <a:ea typeface="DejaVu Sans"/>
               </a:rPr>
               <a:t>Upload a .txt file in the Microsoft Azure Storage Explorer.</a:t>
             </a:r>
@@ -3568,14 +3583,14 @@
       </p:grpSpPr>
       <p:sp>
         <p:nvSpPr>
-          <p:cNvPr id="107" name="CustomShape 1"/>
+          <p:cNvPr id="106" name="CustomShape 1"/>
           <p:cNvSpPr/>
           <p:nvPr/>
         </p:nvSpPr>
         <p:spPr>
           <a:xfrm>
             <a:off x="720000" y="300960"/>
-            <a:ext cx="8855280" cy="1262160"/>
+            <a:ext cx="8854920" cy="1261800"/>
           </a:xfrm>
           <a:prstGeom prst="rect">
             <a:avLst/>
@@ -3594,7 +3609,7 @@
       </p:sp>
       <p:pic>
         <p:nvPicPr>
-          <p:cNvPr id="108" name="" descr=""/>
+          <p:cNvPr id="107" name="" descr=""/>
           <p:cNvPicPr/>
           <p:nvPr/>
         </p:nvPicPr>
@@ -3605,7 +3620,7 @@
         <p:spPr>
           <a:xfrm>
             <a:off x="640080" y="187200"/>
-            <a:ext cx="8960760" cy="5821560"/>
+            <a:ext cx="8960400" cy="5821200"/>
           </a:xfrm>
           <a:prstGeom prst="rect">
             <a:avLst/>
@@ -3617,14 +3632,14 @@
       </p:pic>
       <p:sp>
         <p:nvSpPr>
-          <p:cNvPr id="109" name="CustomShape 2"/>
+          <p:cNvPr id="108" name="CustomShape 2"/>
           <p:cNvSpPr/>
           <p:nvPr/>
         </p:nvSpPr>
         <p:spPr>
           <a:xfrm>
             <a:off x="3474720" y="6400800"/>
-            <a:ext cx="3185640" cy="363960"/>
+            <a:ext cx="3185280" cy="363960"/>
           </a:xfrm>
           <a:prstGeom prst="rect">
             <a:avLst/>
@@ -3652,7 +3667,11 @@
             </a:pPr>
             <a:r>
               <a:rPr b="0" lang="en-US" sz="1800" spc="-1" strike="noStrike">
+                <a:solidFill>
+                  <a:srgbClr val="000000"/>
+                </a:solidFill>
                 <a:latin typeface="Arial"/>
+                <a:ea typeface="DejaVu Sans"/>
               </a:rPr>
               <a:t>Select the file to be uploaded.</a:t>
             </a:r>
@@ -3694,14 +3713,14 @@
       </p:grpSpPr>
       <p:sp>
         <p:nvSpPr>
-          <p:cNvPr id="110" name="CustomShape 1"/>
+          <p:cNvPr id="109" name="CustomShape 1"/>
           <p:cNvSpPr/>
           <p:nvPr/>
         </p:nvSpPr>
         <p:spPr>
           <a:xfrm>
             <a:off x="720000" y="300960"/>
-            <a:ext cx="8855280" cy="1262160"/>
+            <a:ext cx="8854920" cy="1261800"/>
           </a:xfrm>
           <a:prstGeom prst="rect">
             <a:avLst/>
@@ -3720,7 +3739,7 @@
       </p:sp>
       <p:pic>
         <p:nvPicPr>
-          <p:cNvPr id="111" name="" descr=""/>
+          <p:cNvPr id="110" name="" descr=""/>
           <p:cNvPicPr/>
           <p:nvPr/>
         </p:nvPicPr>
@@ -3731,7 +3750,7 @@
         <p:spPr>
           <a:xfrm>
             <a:off x="720000" y="3565080"/>
-            <a:ext cx="8639640" cy="1573920"/>
+            <a:ext cx="8639280" cy="1573560"/>
           </a:xfrm>
           <a:prstGeom prst="rect">
             <a:avLst/>
@@ -3743,14 +3762,14 @@
       </p:pic>
       <p:sp>
         <p:nvSpPr>
-          <p:cNvPr id="112" name="CustomShape 2"/>
+          <p:cNvPr id="111" name="CustomShape 2"/>
           <p:cNvSpPr/>
           <p:nvPr/>
         </p:nvSpPr>
         <p:spPr>
           <a:xfrm>
             <a:off x="457200" y="5852160"/>
-            <a:ext cx="9239040" cy="638280"/>
+            <a:ext cx="9238680" cy="638280"/>
           </a:xfrm>
           <a:prstGeom prst="rect">
             <a:avLst/>
@@ -3778,7 +3797,11 @@
             </a:pPr>
             <a:r>
               <a:rPr b="0" lang="en-US" sz="1800" spc="-1" strike="noStrike">
+                <a:solidFill>
+                  <a:srgbClr val="000000"/>
+                </a:solidFill>
                 <a:latin typeface="Arial"/>
+                <a:ea typeface="DejaVu Sans"/>
               </a:rPr>
               <a:t>A new blob is detected as soon as a file is uploaded on the Storage Explorer.</a:t>
             </a:r>
@@ -3794,7 +3817,11 @@
             </a:pPr>
             <a:r>
               <a:rPr b="0" lang="en-US" sz="1800" spc="-1" strike="noStrike">
+                <a:solidFill>
+                  <a:srgbClr val="000000"/>
+                </a:solidFill>
                 <a:latin typeface="Arial"/>
+                <a:ea typeface="DejaVu Sans"/>
               </a:rPr>
               <a:t>As the mentioned file type was .txt, any other file type uploaded will not be detected here. </a:t>
             </a:r>
@@ -3836,14 +3863,14 @@
       </p:grpSpPr>
       <p:sp>
         <p:nvSpPr>
-          <p:cNvPr id="113" name="CustomShape 1"/>
+          <p:cNvPr id="112" name="CustomShape 1"/>
           <p:cNvSpPr/>
           <p:nvPr/>
         </p:nvSpPr>
         <p:spPr>
           <a:xfrm>
             <a:off x="720000" y="300960"/>
-            <a:ext cx="8855280" cy="1262160"/>
+            <a:ext cx="8854920" cy="1261800"/>
           </a:xfrm>
           <a:prstGeom prst="rect">
             <a:avLst/>
@@ -3862,7 +3889,7 @@
       </p:sp>
       <p:pic>
         <p:nvPicPr>
-          <p:cNvPr id="114" name="" descr=""/>
+          <p:cNvPr id="113" name="" descr=""/>
           <p:cNvPicPr/>
           <p:nvPr/>
         </p:nvPicPr>
@@ -3873,7 +3900,7 @@
         <p:spPr>
           <a:xfrm>
             <a:off x="548640" y="365760"/>
-            <a:ext cx="9054000" cy="4571640"/>
+            <a:ext cx="9053640" cy="4571280"/>
           </a:xfrm>
           <a:prstGeom prst="rect">
             <a:avLst/>
@@ -3885,14 +3912,14 @@
       </p:pic>
       <p:sp>
         <p:nvSpPr>
-          <p:cNvPr id="115" name="CustomShape 2"/>
+          <p:cNvPr id="114" name="CustomShape 2"/>
           <p:cNvSpPr/>
           <p:nvPr/>
         </p:nvSpPr>
         <p:spPr>
           <a:xfrm>
             <a:off x="-36000" y="5871600"/>
-            <a:ext cx="10179360" cy="363960"/>
+            <a:ext cx="10179000" cy="363960"/>
           </a:xfrm>
           <a:prstGeom prst="rect">
             <a:avLst/>
@@ -3920,7 +3947,11 @@
             </a:pPr>
             <a:r>
               <a:rPr b="0" lang="en-US" sz="1800" spc="-1" strike="noStrike">
+                <a:solidFill>
+                  <a:srgbClr val="000000"/>
+                </a:solidFill>
                 <a:latin typeface="Arial"/>
+                <a:ea typeface="DejaVu Sans"/>
               </a:rPr>
               <a:t>Any type of file can be updated, and to make sure it triggers, do not mention the file extension type.</a:t>
             </a:r>
@@ -3962,14 +3993,14 @@
       </p:grpSpPr>
       <p:sp>
         <p:nvSpPr>
-          <p:cNvPr id="116" name="CustomShape 1"/>
+          <p:cNvPr id="115" name="CustomShape 1"/>
           <p:cNvSpPr/>
           <p:nvPr/>
         </p:nvSpPr>
         <p:spPr>
           <a:xfrm>
             <a:off x="720000" y="300960"/>
-            <a:ext cx="8855280" cy="1262160"/>
+            <a:ext cx="8854920" cy="1261800"/>
           </a:xfrm>
           <a:prstGeom prst="rect">
             <a:avLst/>
@@ -3988,7 +4019,7 @@
       </p:sp>
       <p:pic>
         <p:nvPicPr>
-          <p:cNvPr id="117" name="" descr=""/>
+          <p:cNvPr id="116" name="" descr=""/>
           <p:cNvPicPr/>
           <p:nvPr/>
         </p:nvPicPr>
@@ -3999,7 +4030,7 @@
         <p:spPr>
           <a:xfrm>
             <a:off x="731520" y="1737360"/>
-            <a:ext cx="8639640" cy="1646280"/>
+            <a:ext cx="8639280" cy="1645920"/>
           </a:xfrm>
           <a:prstGeom prst="rect">
             <a:avLst/>
@@ -4011,14 +4042,14 @@
       </p:pic>
       <p:sp>
         <p:nvSpPr>
-          <p:cNvPr id="118" name="CustomShape 2"/>
+          <p:cNvPr id="117" name="CustomShape 2"/>
           <p:cNvSpPr/>
           <p:nvPr/>
         </p:nvSpPr>
         <p:spPr>
           <a:xfrm>
             <a:off x="753480" y="4297680"/>
-            <a:ext cx="8573040" cy="363960"/>
+            <a:ext cx="8572680" cy="363960"/>
           </a:xfrm>
           <a:prstGeom prst="rect">
             <a:avLst/>
@@ -4046,7 +4077,11 @@
             </a:pPr>
             <a:r>
               <a:rPr b="0" lang="en-US" sz="1800" spc="-1" strike="noStrike">
+                <a:solidFill>
+                  <a:srgbClr val="000000"/>
+                </a:solidFill>
                 <a:latin typeface="Arial"/>
+                <a:ea typeface="DejaVu Sans"/>
               </a:rPr>
               <a:t>An image file with .png extension was uploaded, and the blob trigger was triggered.</a:t>
             </a:r>
@@ -4088,14 +4123,14 @@
       </p:grpSpPr>
       <p:sp>
         <p:nvSpPr>
-          <p:cNvPr id="119" name="CustomShape 1"/>
+          <p:cNvPr id="118" name="CustomShape 1"/>
           <p:cNvSpPr/>
           <p:nvPr/>
         </p:nvSpPr>
         <p:spPr>
           <a:xfrm>
             <a:off x="720000" y="300960"/>
-            <a:ext cx="8855280" cy="1262160"/>
+            <a:ext cx="8854920" cy="1261800"/>
           </a:xfrm>
           <a:prstGeom prst="rect">
             <a:avLst/>
@@ -4114,7 +4149,7 @@
       </p:sp>
       <p:pic>
         <p:nvPicPr>
-          <p:cNvPr id="120" name="" descr=""/>
+          <p:cNvPr id="119" name="" descr=""/>
           <p:cNvPicPr/>
           <p:nvPr/>
         </p:nvPicPr>
@@ -4125,7 +4160,7 @@
         <p:spPr>
           <a:xfrm>
             <a:off x="778320" y="1562760"/>
-            <a:ext cx="8639640" cy="2734560"/>
+            <a:ext cx="8639280" cy="2734200"/>
           </a:xfrm>
           <a:prstGeom prst="rect">
             <a:avLst/>
@@ -4137,14 +4172,14 @@
       </p:pic>
       <p:sp>
         <p:nvSpPr>
-          <p:cNvPr id="121" name="CustomShape 2"/>
+          <p:cNvPr id="120" name="CustomShape 2"/>
           <p:cNvSpPr/>
           <p:nvPr/>
         </p:nvSpPr>
         <p:spPr>
           <a:xfrm>
             <a:off x="1188720" y="4975560"/>
-            <a:ext cx="7885800" cy="638280"/>
+            <a:ext cx="7885440" cy="638280"/>
           </a:xfrm>
           <a:prstGeom prst="rect">
             <a:avLst/>
@@ -4172,7 +4207,11 @@
             </a:pPr>
             <a:r>
               <a:rPr b="0" lang="en-US" sz="1800" spc="-1" strike="noStrike">
+                <a:solidFill>
+                  <a:srgbClr val="000000"/>
+                </a:solidFill>
                 <a:latin typeface="Arial"/>
+                <a:ea typeface="DejaVu Sans"/>
               </a:rPr>
               <a:t>Logging in to Azure subscription via PowerShell using the azlogin command.</a:t>
             </a:r>
@@ -4188,7 +4227,11 @@
             </a:pPr>
             <a:r>
               <a:rPr b="0" lang="en-US" sz="1800" spc="-1" strike="noStrike">
+                <a:solidFill>
+                  <a:srgbClr val="000000"/>
+                </a:solidFill>
                 <a:latin typeface="Arial"/>
+                <a:ea typeface="DejaVu Sans"/>
               </a:rPr>
               <a:t>This will redirect to Microsoft account login page on a web browser.</a:t>
             </a:r>
@@ -4230,14 +4273,14 @@
       </p:grpSpPr>
       <p:sp>
         <p:nvSpPr>
-          <p:cNvPr id="122" name="CustomShape 1"/>
+          <p:cNvPr id="121" name="CustomShape 1"/>
           <p:cNvSpPr/>
           <p:nvPr/>
         </p:nvSpPr>
         <p:spPr>
           <a:xfrm>
             <a:off x="720000" y="300960"/>
-            <a:ext cx="8855280" cy="1262160"/>
+            <a:ext cx="8854920" cy="1261800"/>
           </a:xfrm>
           <a:prstGeom prst="rect">
             <a:avLst/>
@@ -4256,7 +4299,7 @@
       </p:sp>
       <p:pic>
         <p:nvPicPr>
-          <p:cNvPr id="123" name="" descr=""/>
+          <p:cNvPr id="122" name="" descr=""/>
           <p:cNvPicPr/>
           <p:nvPr/>
         </p:nvPicPr>
@@ -4267,7 +4310,7 @@
         <p:spPr>
           <a:xfrm>
             <a:off x="822960" y="2128680"/>
-            <a:ext cx="8639640" cy="797040"/>
+            <a:ext cx="8639280" cy="796680"/>
           </a:xfrm>
           <a:prstGeom prst="rect">
             <a:avLst/>
@@ -4279,14 +4322,14 @@
       </p:pic>
       <p:sp>
         <p:nvSpPr>
-          <p:cNvPr id="124" name="CustomShape 2"/>
+          <p:cNvPr id="123" name="CustomShape 2"/>
           <p:cNvSpPr/>
           <p:nvPr/>
         </p:nvSpPr>
         <p:spPr>
           <a:xfrm>
             <a:off x="822960" y="4663440"/>
-            <a:ext cx="9019440" cy="638280"/>
+            <a:ext cx="9019080" cy="638280"/>
           </a:xfrm>
           <a:prstGeom prst="rect">
             <a:avLst/>
@@ -4314,7 +4357,11 @@
             </a:pPr>
             <a:r>
               <a:rPr b="0" lang="en-US" sz="1800" spc="-1" strike="noStrike">
+                <a:solidFill>
+                  <a:srgbClr val="000000"/>
+                </a:solidFill>
                 <a:latin typeface="Arial"/>
+                <a:ea typeface="DejaVu Sans"/>
               </a:rPr>
               <a:t>Firstly create a resource group and a resource called “Function App” in the azure portal.</a:t>
             </a:r>
@@ -4330,7 +4377,11 @@
             </a:pPr>
             <a:r>
               <a:rPr b="0" lang="en-US" sz="1800" spc="-1" strike="noStrike">
+                <a:solidFill>
+                  <a:srgbClr val="000000"/>
+                </a:solidFill>
                 <a:latin typeface="Arial"/>
+                <a:ea typeface="DejaVu Sans"/>
               </a:rPr>
               <a:t>And then, update in the powershell.</a:t>
             </a:r>
@@ -4372,14 +4423,14 @@
       </p:grpSpPr>
       <p:sp>
         <p:nvSpPr>
-          <p:cNvPr id="125" name="CustomShape 1"/>
+          <p:cNvPr id="124" name="CustomShape 1"/>
           <p:cNvSpPr/>
           <p:nvPr/>
         </p:nvSpPr>
         <p:spPr>
           <a:xfrm>
             <a:off x="720000" y="300960"/>
-            <a:ext cx="8855280" cy="1262160"/>
+            <a:ext cx="8854920" cy="1261800"/>
           </a:xfrm>
           <a:prstGeom prst="rect">
             <a:avLst/>
@@ -4398,7 +4449,7 @@
       </p:sp>
       <p:pic>
         <p:nvPicPr>
-          <p:cNvPr id="126" name="" descr=""/>
+          <p:cNvPr id="125" name="" descr=""/>
           <p:cNvPicPr/>
           <p:nvPr/>
         </p:nvPicPr>
@@ -4409,7 +4460,7 @@
         <p:spPr>
           <a:xfrm>
             <a:off x="138240" y="182880"/>
-            <a:ext cx="9829800" cy="3775680"/>
+            <a:ext cx="9829440" cy="3775320"/>
           </a:xfrm>
           <a:prstGeom prst="rect">
             <a:avLst/>
@@ -4421,14 +4472,14 @@
       </p:pic>
       <p:sp>
         <p:nvSpPr>
-          <p:cNvPr id="127" name="CustomShape 2"/>
+          <p:cNvPr id="126" name="CustomShape 2"/>
           <p:cNvSpPr/>
           <p:nvPr/>
         </p:nvSpPr>
         <p:spPr>
           <a:xfrm>
             <a:off x="241560" y="4663440"/>
-            <a:ext cx="8993520" cy="638280"/>
+            <a:ext cx="8993160" cy="638280"/>
           </a:xfrm>
           <a:prstGeom prst="rect">
             <a:avLst/>
@@ -4456,7 +4507,11 @@
             </a:pPr>
             <a:r>
               <a:rPr b="0" lang="en-US" sz="1800" spc="-1" strike="noStrike">
+                <a:solidFill>
+                  <a:srgbClr val="000000"/>
+                </a:solidFill>
                 <a:latin typeface="Arial"/>
+                <a:ea typeface="DejaVu Sans"/>
               </a:rPr>
               <a:t>Zip the “publish” folder present inside the Function App created locally on the computer.</a:t>
             </a:r>
@@ -4515,7 +4570,7 @@
         <p:spPr>
           <a:xfrm>
             <a:off x="720000" y="300960"/>
-            <a:ext cx="8855280" cy="1262160"/>
+            <a:ext cx="8854920" cy="1261800"/>
           </a:xfrm>
           <a:prstGeom prst="rect">
             <a:avLst/>
@@ -4545,7 +4600,7 @@
         <p:spPr>
           <a:xfrm>
             <a:off x="720000" y="1697040"/>
-            <a:ext cx="8639640" cy="2070000"/>
+            <a:ext cx="8639280" cy="2069640"/>
           </a:xfrm>
           <a:prstGeom prst="rect">
             <a:avLst/>
@@ -4564,7 +4619,7 @@
         <p:spPr>
           <a:xfrm>
             <a:off x="1005840" y="4937760"/>
-            <a:ext cx="7954920" cy="638280"/>
+            <a:ext cx="7954560" cy="638280"/>
           </a:xfrm>
           <a:prstGeom prst="rect">
             <a:avLst/>
@@ -4592,7 +4647,11 @@
             </a:pPr>
             <a:r>
               <a:rPr b="0" lang="en-US" sz="1800" spc="-1" strike="noStrike">
+                <a:solidFill>
+                  <a:srgbClr val="000000"/>
+                </a:solidFill>
                 <a:latin typeface="Arial"/>
+                <a:ea typeface="DejaVu Sans"/>
               </a:rPr>
               <a:t>Create a function app locally. The function app is a single unit of deployment. Azure CLI will generate the necessary config files of the function app.</a:t>
             </a:r>
@@ -4641,7 +4700,7 @@
         <p:spPr>
           <a:xfrm>
             <a:off x="720000" y="300960"/>
-            <a:ext cx="8855280" cy="1262160"/>
+            <a:ext cx="8854920" cy="1261800"/>
           </a:xfrm>
           <a:prstGeom prst="rect">
             <a:avLst/>
@@ -4671,7 +4730,7 @@
         <p:spPr>
           <a:xfrm>
             <a:off x="720000" y="2186640"/>
-            <a:ext cx="8639640" cy="1234800"/>
+            <a:ext cx="8639280" cy="1234440"/>
           </a:xfrm>
           <a:prstGeom prst="rect">
             <a:avLst/>
@@ -4690,7 +4749,7 @@
         <p:spPr>
           <a:xfrm>
             <a:off x="1853640" y="4152600"/>
-            <a:ext cx="5826960" cy="638280"/>
+            <a:ext cx="5826600" cy="638280"/>
           </a:xfrm>
           <a:prstGeom prst="rect">
             <a:avLst/>
@@ -4718,7 +4777,11 @@
             </a:pPr>
             <a:r>
               <a:rPr b="0" lang="en-US" sz="1800" spc="-1" strike="noStrike">
+                <a:solidFill>
+                  <a:srgbClr val="000000"/>
+                </a:solidFill>
                 <a:latin typeface="Arial"/>
+                <a:ea typeface="DejaVu Sans"/>
               </a:rPr>
               <a:t>func new create is a command to create a new function.</a:t>
             </a:r>
@@ -4734,7 +4797,11 @@
             </a:pPr>
             <a:r>
               <a:rPr b="0" lang="en-US" sz="1800" spc="-1" strike="noStrike">
+                <a:solidFill>
+                  <a:srgbClr val="000000"/>
+                </a:solidFill>
                 <a:latin typeface="Arial"/>
+                <a:ea typeface="DejaVu Sans"/>
               </a:rPr>
               <a:t>It auto-generates all the settings files.</a:t>
             </a:r>
@@ -4783,7 +4850,7 @@
         <p:spPr>
           <a:xfrm>
             <a:off x="720000" y="300960"/>
-            <a:ext cx="8855280" cy="1262160"/>
+            <a:ext cx="8854920" cy="1261800"/>
           </a:xfrm>
           <a:prstGeom prst="rect">
             <a:avLst/>
@@ -4813,7 +4880,7 @@
         <p:spPr>
           <a:xfrm>
             <a:off x="720000" y="4047840"/>
-            <a:ext cx="8639640" cy="608760"/>
+            <a:ext cx="8639280" cy="608400"/>
           </a:xfrm>
           <a:prstGeom prst="rect">
             <a:avLst/>
@@ -4832,7 +4899,7 @@
         <p:spPr>
           <a:xfrm>
             <a:off x="1097280" y="5669280"/>
-            <a:ext cx="7684560" cy="363960"/>
+            <a:ext cx="7684200" cy="363960"/>
           </a:xfrm>
           <a:prstGeom prst="rect">
             <a:avLst/>
@@ -4860,7 +4927,11 @@
             </a:pPr>
             <a:r>
               <a:rPr b="0" lang="en-US" sz="1800" spc="-1" strike="noStrike">
+                <a:solidFill>
+                  <a:srgbClr val="000000"/>
+                </a:solidFill>
                 <a:latin typeface="Arial"/>
+                <a:ea typeface="DejaVu Sans"/>
               </a:rPr>
               <a:t>This displays the contents of the function app folder in Visual Studio Code.</a:t>
             </a:r>
@@ -4909,7 +4980,7 @@
         <p:spPr>
           <a:xfrm>
             <a:off x="720000" y="300960"/>
-            <a:ext cx="8855280" cy="1262160"/>
+            <a:ext cx="8854920" cy="1261800"/>
           </a:xfrm>
           <a:prstGeom prst="rect">
             <a:avLst/>
@@ -4926,39 +4997,16 @@
           <a:fontRef idx="minor"/>
         </p:style>
       </p:sp>
-      <p:pic>
-        <p:nvPicPr>
-          <p:cNvPr id="90" name="" descr=""/>
-          <p:cNvPicPr/>
-          <p:nvPr/>
-        </p:nvPicPr>
-        <p:blipFill>
-          <a:blip r:embed="rId1"/>
-          <a:stretch/>
-        </p:blipFill>
-        <p:spPr>
-          <a:xfrm>
-            <a:off x="548640" y="274320"/>
-            <a:ext cx="9358920" cy="4205880"/>
-          </a:xfrm>
-          <a:prstGeom prst="rect">
-            <a:avLst/>
-          </a:prstGeom>
-          <a:ln>
-            <a:noFill/>
-          </a:ln>
-        </p:spPr>
-      </p:pic>
-      <p:sp>
-        <p:nvSpPr>
-          <p:cNvPr id="91" name="CustomShape 2"/>
+      <p:sp>
+        <p:nvSpPr>
+          <p:cNvPr id="90" name="CustomShape 2"/>
           <p:cNvSpPr/>
           <p:nvPr/>
         </p:nvSpPr>
         <p:spPr>
           <a:xfrm>
             <a:off x="3764880" y="5120640"/>
-            <a:ext cx="2818440" cy="363960"/>
+            <a:ext cx="2818080" cy="363960"/>
           </a:xfrm>
           <a:prstGeom prst="rect">
             <a:avLst/>
@@ -4986,7 +5034,11 @@
             </a:pPr>
             <a:r>
               <a:rPr b="0" lang="en-US" sz="1800" spc="-1" strike="noStrike">
+                <a:solidFill>
+                  <a:srgbClr val="000000"/>
+                </a:solidFill>
                 <a:latin typeface="Arial"/>
+                <a:ea typeface="DejaVu Sans"/>
               </a:rPr>
               <a:t>Add the connection string.</a:t>
             </a:r>
@@ -5028,14 +5080,14 @@
       </p:grpSpPr>
       <p:sp>
         <p:nvSpPr>
-          <p:cNvPr id="92" name="CustomShape 1"/>
+          <p:cNvPr id="91" name="CustomShape 1"/>
           <p:cNvSpPr/>
           <p:nvPr/>
         </p:nvSpPr>
         <p:spPr>
           <a:xfrm>
             <a:off x="720000" y="300960"/>
-            <a:ext cx="8855280" cy="1262160"/>
+            <a:ext cx="8854920" cy="1261800"/>
           </a:xfrm>
           <a:prstGeom prst="rect">
             <a:avLst/>
@@ -5054,7 +5106,7 @@
       </p:sp>
       <p:pic>
         <p:nvPicPr>
-          <p:cNvPr id="93" name="" descr=""/>
+          <p:cNvPr id="92" name="" descr=""/>
           <p:cNvPicPr/>
           <p:nvPr/>
         </p:nvPicPr>
@@ -5065,7 +5117,7 @@
         <p:spPr>
           <a:xfrm>
             <a:off x="686160" y="300960"/>
-            <a:ext cx="9165600" cy="4910760"/>
+            <a:ext cx="9165240" cy="4910400"/>
           </a:xfrm>
           <a:prstGeom prst="rect">
             <a:avLst/>
@@ -5077,14 +5129,14 @@
       </p:pic>
       <p:sp>
         <p:nvSpPr>
-          <p:cNvPr id="94" name="CustomShape 2"/>
+          <p:cNvPr id="93" name="CustomShape 2"/>
           <p:cNvSpPr/>
           <p:nvPr/>
         </p:nvSpPr>
         <p:spPr>
           <a:xfrm>
             <a:off x="1652760" y="5871600"/>
-            <a:ext cx="7125120" cy="639000"/>
+            <a:ext cx="7124760" cy="638640"/>
           </a:xfrm>
           <a:prstGeom prst="rect">
             <a:avLst/>
@@ -5112,7 +5164,11 @@
             </a:pPr>
             <a:r>
               <a:rPr b="0" lang="en-US" sz="1800" spc="-1" strike="noStrike">
+                <a:solidFill>
+                  <a:srgbClr val="000000"/>
+                </a:solidFill>
                 <a:latin typeface="Arial"/>
+                <a:ea typeface="DejaVu Sans"/>
               </a:rPr>
               <a:t>functiontest is the name of the blob container. The function only listens for .txt files coming into azure blob storage.</a:t>
             </a:r>
@@ -5154,14 +5210,14 @@
       </p:grpSpPr>
       <p:sp>
         <p:nvSpPr>
-          <p:cNvPr id="95" name="CustomShape 1"/>
+          <p:cNvPr id="94" name="CustomShape 1"/>
           <p:cNvSpPr/>
           <p:nvPr/>
         </p:nvSpPr>
         <p:spPr>
           <a:xfrm>
             <a:off x="720000" y="300960"/>
-            <a:ext cx="8855280" cy="1262160"/>
+            <a:ext cx="8854920" cy="1261800"/>
           </a:xfrm>
           <a:prstGeom prst="rect">
             <a:avLst/>
@@ -5180,7 +5236,7 @@
       </p:sp>
       <p:pic>
         <p:nvPicPr>
-          <p:cNvPr id="96" name="" descr=""/>
+          <p:cNvPr id="95" name="" descr=""/>
           <p:cNvPicPr/>
           <p:nvPr/>
         </p:nvPicPr>
@@ -5191,7 +5247,7 @@
         <p:spPr>
           <a:xfrm>
             <a:off x="640080" y="300960"/>
-            <a:ext cx="9261720" cy="5733720"/>
+            <a:ext cx="9261360" cy="5733360"/>
           </a:xfrm>
           <a:prstGeom prst="rect">
             <a:avLst/>
@@ -5203,14 +5259,14 @@
       </p:pic>
       <p:sp>
         <p:nvSpPr>
-          <p:cNvPr id="97" name="CustomShape 2"/>
+          <p:cNvPr id="96" name="CustomShape 2"/>
           <p:cNvSpPr/>
           <p:nvPr/>
         </p:nvSpPr>
         <p:spPr>
           <a:xfrm>
             <a:off x="2881080" y="6400800"/>
-            <a:ext cx="5178960" cy="363960"/>
+            <a:ext cx="5178600" cy="363960"/>
           </a:xfrm>
           <a:prstGeom prst="rect">
             <a:avLst/>
@@ -5238,7 +5294,11 @@
             </a:pPr>
             <a:r>
               <a:rPr b="0" lang="en-US" sz="1800" spc="-1" strike="noStrike">
+                <a:solidFill>
+                  <a:srgbClr val="000000"/>
+                </a:solidFill>
                 <a:latin typeface="Arial"/>
+                <a:ea typeface="DejaVu Sans"/>
               </a:rPr>
               <a:t>Func host start --build is used to compile and run.</a:t>
             </a:r>
@@ -5280,14 +5340,14 @@
       </p:grpSpPr>
       <p:sp>
         <p:nvSpPr>
-          <p:cNvPr id="98" name="CustomShape 1"/>
+          <p:cNvPr id="97" name="CustomShape 1"/>
           <p:cNvSpPr/>
           <p:nvPr/>
         </p:nvSpPr>
         <p:spPr>
           <a:xfrm>
             <a:off x="720000" y="300960"/>
-            <a:ext cx="8855280" cy="1262160"/>
+            <a:ext cx="8854920" cy="1261800"/>
           </a:xfrm>
           <a:prstGeom prst="rect">
             <a:avLst/>
@@ -5306,7 +5366,7 @@
       </p:sp>
       <p:pic>
         <p:nvPicPr>
-          <p:cNvPr id="99" name="" descr=""/>
+          <p:cNvPr id="98" name="" descr=""/>
           <p:cNvPicPr/>
           <p:nvPr/>
         </p:nvPicPr>
@@ -5317,7 +5377,7 @@
         <p:spPr>
           <a:xfrm>
             <a:off x="595440" y="279000"/>
-            <a:ext cx="9408600" cy="4475520"/>
+            <a:ext cx="9408240" cy="4475160"/>
           </a:xfrm>
           <a:prstGeom prst="rect">
             <a:avLst/>
@@ -5329,14 +5389,14 @@
       </p:pic>
       <p:sp>
         <p:nvSpPr>
-          <p:cNvPr id="100" name="CustomShape 2"/>
+          <p:cNvPr id="99" name="CustomShape 2"/>
           <p:cNvSpPr/>
           <p:nvPr/>
         </p:nvSpPr>
         <p:spPr>
           <a:xfrm>
             <a:off x="1097280" y="5297400"/>
-            <a:ext cx="8229240" cy="638280"/>
+            <a:ext cx="8228880" cy="638280"/>
           </a:xfrm>
           <a:prstGeom prst="rect">
             <a:avLst/>
@@ -5364,7 +5424,11 @@
             </a:pPr>
             <a:r>
               <a:rPr b="0" lang="en-US" sz="1800" spc="-1" strike="noStrike">
+                <a:solidFill>
+                  <a:srgbClr val="000000"/>
+                </a:solidFill>
                 <a:latin typeface="Arial"/>
+                <a:ea typeface="DejaVu Sans"/>
               </a:rPr>
               <a:t>It says “now listening”, which means that the compilation was successful and it is now time to upload the files on Microsoft Azure Storage Explorer.</a:t>
             </a:r>
@@ -5406,14 +5470,14 @@
       </p:grpSpPr>
       <p:sp>
         <p:nvSpPr>
-          <p:cNvPr id="101" name="CustomShape 1"/>
+          <p:cNvPr id="100" name="CustomShape 1"/>
           <p:cNvSpPr/>
           <p:nvPr/>
         </p:nvSpPr>
         <p:spPr>
           <a:xfrm>
             <a:off x="720000" y="300960"/>
-            <a:ext cx="8855280" cy="1262160"/>
+            <a:ext cx="8854920" cy="1261800"/>
           </a:xfrm>
           <a:prstGeom prst="rect">
             <a:avLst/>
@@ -5432,7 +5496,7 @@
       </p:sp>
       <p:pic>
         <p:nvPicPr>
-          <p:cNvPr id="102" name="" descr=""/>
+          <p:cNvPr id="101" name="" descr=""/>
           <p:cNvPicPr/>
           <p:nvPr/>
         </p:nvPicPr>
@@ -5443,7 +5507,7 @@
         <p:spPr>
           <a:xfrm>
             <a:off x="1005840" y="274320"/>
-            <a:ext cx="8011440" cy="5394600"/>
+            <a:ext cx="8011080" cy="5394240"/>
           </a:xfrm>
           <a:prstGeom prst="rect">
             <a:avLst/>
@@ -5455,14 +5519,14 @@
       </p:pic>
       <p:sp>
         <p:nvSpPr>
-          <p:cNvPr id="103" name="CustomShape 2"/>
+          <p:cNvPr id="102" name="CustomShape 2"/>
           <p:cNvSpPr/>
           <p:nvPr/>
         </p:nvSpPr>
         <p:spPr>
           <a:xfrm>
             <a:off x="1645920" y="6054480"/>
-            <a:ext cx="6398280" cy="363960"/>
+            <a:ext cx="6397920" cy="363960"/>
           </a:xfrm>
           <a:prstGeom prst="rect">
             <a:avLst/>
@@ -5490,7 +5554,11 @@
             </a:pPr>
             <a:r>
               <a:rPr b="0" lang="en-US" sz="1800" spc="-1" strike="noStrike">
+                <a:solidFill>
+                  <a:srgbClr val="000000"/>
+                </a:solidFill>
                 <a:latin typeface="Arial"/>
+                <a:ea typeface="DejaVu Sans"/>
               </a:rPr>
               <a:t>Enter the connection string to connect to the storage account.</a:t>
             </a:r>
